--- a/presentations/band/Veress_Armin/prezentation_veress_armin.pptx
+++ b/presentations/band/Veress_Armin/prezentation_veress_armin.pptx
@@ -9,9 +9,8 @@
     <p:sldId id="256" r:id="rId6"/>
     <p:sldId id="259" r:id="rId7"/>
     <p:sldId id="260" r:id="rId8"/>
-    <p:sldId id="261" r:id="rId9"/>
-    <p:sldId id="263" r:id="rId10"/>
-    <p:sldId id="258" r:id="rId11"/>
+    <p:sldId id="263" r:id="rId9"/>
+    <p:sldId id="258" r:id="rId10"/>
   </p:sldIdLst>
   <p:sldSz cx="9144000" cy="5143500" type="screen16x9"/>
   <p:notesSz cx="6858000" cy="9144000"/>
@@ -260,7 +259,7 @@
           <a:p>
             <a:fld id="{C6E8B002-83F0-41C5-A7B7-2819A96BD9B2}" type="datetimeFigureOut">
               <a:rPr lang="hu-HU" smtClean="0"/>
-              <a:t>2016.10.01.</a:t>
+              <a:t>2016.10.05.</a:t>
             </a:fld>
             <a:endParaRPr lang="hu-HU"/>
           </a:p>
@@ -430,7 +429,7 @@
           <a:p>
             <a:fld id="{C6E8B002-83F0-41C5-A7B7-2819A96BD9B2}" type="datetimeFigureOut">
               <a:rPr lang="hu-HU" smtClean="0"/>
-              <a:t>2016.10.01.</a:t>
+              <a:t>2016.10.05.</a:t>
             </a:fld>
             <a:endParaRPr lang="hu-HU"/>
           </a:p>
@@ -610,7 +609,7 @@
           <a:p>
             <a:fld id="{C6E8B002-83F0-41C5-A7B7-2819A96BD9B2}" type="datetimeFigureOut">
               <a:rPr lang="hu-HU" smtClean="0"/>
-              <a:t>2016.10.01.</a:t>
+              <a:t>2016.10.05.</a:t>
             </a:fld>
             <a:endParaRPr lang="hu-HU"/>
           </a:p>
@@ -780,7 +779,7 @@
           <a:p>
             <a:fld id="{C6E8B002-83F0-41C5-A7B7-2819A96BD9B2}" type="datetimeFigureOut">
               <a:rPr lang="hu-HU" smtClean="0"/>
-              <a:t>2016.10.01.</a:t>
+              <a:t>2016.10.05.</a:t>
             </a:fld>
             <a:endParaRPr lang="hu-HU"/>
           </a:p>
@@ -1024,7 +1023,7 @@
           <a:p>
             <a:fld id="{C6E8B002-83F0-41C5-A7B7-2819A96BD9B2}" type="datetimeFigureOut">
               <a:rPr lang="hu-HU" smtClean="0"/>
-              <a:t>2016.10.01.</a:t>
+              <a:t>2016.10.05.</a:t>
             </a:fld>
             <a:endParaRPr lang="hu-HU"/>
           </a:p>
@@ -1256,7 +1255,7 @@
           <a:p>
             <a:fld id="{C6E8B002-83F0-41C5-A7B7-2819A96BD9B2}" type="datetimeFigureOut">
               <a:rPr lang="hu-HU" smtClean="0"/>
-              <a:t>2016.10.01.</a:t>
+              <a:t>2016.10.05.</a:t>
             </a:fld>
             <a:endParaRPr lang="hu-HU"/>
           </a:p>
@@ -1623,7 +1622,7 @@
           <a:p>
             <a:fld id="{C6E8B002-83F0-41C5-A7B7-2819A96BD9B2}" type="datetimeFigureOut">
               <a:rPr lang="hu-HU" smtClean="0"/>
-              <a:t>2016.10.01.</a:t>
+              <a:t>2016.10.05.</a:t>
             </a:fld>
             <a:endParaRPr lang="hu-HU"/>
           </a:p>
@@ -1741,7 +1740,7 @@
           <a:p>
             <a:fld id="{C6E8B002-83F0-41C5-A7B7-2819A96BD9B2}" type="datetimeFigureOut">
               <a:rPr lang="hu-HU" smtClean="0"/>
-              <a:t>2016.10.01.</a:t>
+              <a:t>2016.10.05.</a:t>
             </a:fld>
             <a:endParaRPr lang="hu-HU"/>
           </a:p>
@@ -1836,7 +1835,7 @@
           <a:p>
             <a:fld id="{C6E8B002-83F0-41C5-A7B7-2819A96BD9B2}" type="datetimeFigureOut">
               <a:rPr lang="hu-HU" smtClean="0"/>
-              <a:t>2016.10.01.</a:t>
+              <a:t>2016.10.05.</a:t>
             </a:fld>
             <a:endParaRPr lang="hu-HU"/>
           </a:p>
@@ -2113,7 +2112,7 @@
           <a:p>
             <a:fld id="{C6E8B002-83F0-41C5-A7B7-2819A96BD9B2}" type="datetimeFigureOut">
               <a:rPr lang="hu-HU" smtClean="0"/>
-              <a:t>2016.10.01.</a:t>
+              <a:t>2016.10.05.</a:t>
             </a:fld>
             <a:endParaRPr lang="hu-HU"/>
           </a:p>
@@ -2370,7 +2369,7 @@
           <a:p>
             <a:fld id="{C6E8B002-83F0-41C5-A7B7-2819A96BD9B2}" type="datetimeFigureOut">
               <a:rPr lang="hu-HU" smtClean="0"/>
-              <a:t>2016.10.01.</a:t>
+              <a:t>2016.10.05.</a:t>
             </a:fld>
             <a:endParaRPr lang="hu-HU"/>
           </a:p>
@@ -2590,7 +2589,7 @@
           <a:p>
             <a:fld id="{C6E8B002-83F0-41C5-A7B7-2819A96BD9B2}" type="datetimeFigureOut">
               <a:rPr lang="hu-HU" smtClean="0"/>
-              <a:t>2016.10.01.</a:t>
+              <a:t>2016.10.05.</a:t>
             </a:fld>
             <a:endParaRPr lang="hu-HU"/>
           </a:p>
@@ -3375,13 +3374,17 @@
           <a:p>
             <a:r>
               <a:rPr lang="hu-HU" sz="2000" dirty="0" smtClean="0"/>
-              <a:t>Demók feltöltése és megjelenítése Attilával</a:t>
+              <a:t>Demók feltöltése és megjelenítése</a:t>
             </a:r>
           </a:p>
           <a:p>
             <a:r>
               <a:rPr lang="hu-HU" sz="2000" dirty="0" smtClean="0"/>
-              <a:t>Események kezelése</a:t>
+              <a:t>Események </a:t>
+            </a:r>
+            <a:r>
+              <a:rPr lang="hu-HU" sz="2000" dirty="0" smtClean="0"/>
+              <a:t>létrehozása és kezelése</a:t>
             </a:r>
             <a:endParaRPr lang="en-US" sz="2000" dirty="0"/>
           </a:p>
@@ -3509,20 +3512,16 @@
           <a:p>
             <a:r>
               <a:rPr lang="hu-HU" sz="2000" dirty="0" smtClean="0"/>
-              <a:t>Megállni a helyem csapatmunkában</a:t>
-            </a:r>
+              <a:t>Demók megjelenítése</a:t>
+            </a:r>
+            <a:endParaRPr lang="hu-HU" sz="2000" dirty="0" smtClean="0"/>
           </a:p>
           <a:p>
             <a:r>
               <a:rPr lang="hu-HU" sz="2000" dirty="0" smtClean="0"/>
-              <a:t>Kommunikáció fejlesztése</a:t>
-            </a:r>
-          </a:p>
-          <a:p>
-            <a:r>
-              <a:rPr lang="hu-HU" sz="2000" dirty="0" smtClean="0"/>
-              <a:t>Új technológiák megismerése, elsajátítása</a:t>
-            </a:r>
+              <a:t>Események szerkesztése</a:t>
+            </a:r>
+            <a:endParaRPr lang="hu-HU" sz="2000" dirty="0" smtClean="0"/>
           </a:p>
           <a:p>
             <a:r>
@@ -3676,173 +3675,8 @@
         </p:nvSpPr>
         <p:spPr>
           <a:xfrm>
-            <a:off x="598960" y="2335825"/>
-            <a:ext cx="4572743" cy="799261"/>
-          </a:xfrm>
-        </p:spPr>
-        <p:txBody>
-          <a:bodyPr>
-            <a:noAutofit/>
-          </a:bodyPr>
-          <a:lstStyle/>
-          <a:p>
-            <a:r>
-              <a:rPr lang="hu-HU" sz="2000" dirty="0" smtClean="0"/>
-              <a:t>Adatbázis és Service rétegbeli feladatok</a:t>
-            </a:r>
-          </a:p>
-          <a:p>
-            <a:r>
-              <a:rPr lang="hu-HU" sz="2000" dirty="0" smtClean="0"/>
-              <a:t>Közös feladatok a csapattársakkal</a:t>
-            </a:r>
-            <a:endParaRPr lang="en-US" sz="2000" dirty="0"/>
-          </a:p>
-        </p:txBody>
-      </p:sp>
-      <p:sp>
-        <p:nvSpPr>
-          <p:cNvPr id="4" name="Cím 1"/>
-          <p:cNvSpPr>
-            <a:spLocks noGrp="1"/>
-          </p:cNvSpPr>
-          <p:nvPr>
-            <p:ph type="title"/>
-          </p:nvPr>
-        </p:nvSpPr>
-        <p:spPr>
-          <a:xfrm>
-            <a:off x="628650" y="866898"/>
-            <a:ext cx="6573734" cy="469075"/>
-          </a:xfrm>
-        </p:spPr>
-        <p:txBody>
-          <a:bodyPr>
-            <a:noAutofit/>
-          </a:bodyPr>
-          <a:lstStyle/>
-          <a:p>
-            <a:pPr algn="ctr"/>
-            <a:r>
-              <a:rPr lang="hu-HU" sz="2800" b="1" dirty="0" smtClean="0"/>
-              <a:t>Kedvenc feladataim</a:t>
-            </a:r>
-            <a:endParaRPr lang="en-US" sz="2800" b="1" dirty="0"/>
-          </a:p>
-        </p:txBody>
-      </p:sp>
-      <p:sp>
-        <p:nvSpPr>
-          <p:cNvPr id="5" name="Szövegdoboz 4"/>
-          <p:cNvSpPr txBox="1"/>
-          <p:nvPr/>
-        </p:nvSpPr>
-        <p:spPr>
-          <a:xfrm>
-            <a:off x="7534893" y="172192"/>
-            <a:ext cx="1365662" cy="369332"/>
-          </a:xfrm>
-          <a:prstGeom prst="rect">
-            <a:avLst/>
-          </a:prstGeom>
-          <a:noFill/>
-        </p:spPr>
-        <p:txBody>
-          <a:bodyPr wrap="square" rtlCol="0">
-            <a:spAutoFit/>
-          </a:bodyPr>
-          <a:lstStyle/>
-          <a:p>
-            <a:pPr algn="ctr"/>
-            <a:r>
-              <a:rPr lang="hu-HU" b="1" dirty="0" smtClean="0"/>
-              <a:t>Band</a:t>
-            </a:r>
-            <a:endParaRPr lang="en-US" b="1" dirty="0"/>
-          </a:p>
-        </p:txBody>
-      </p:sp>
-      <p:pic>
-        <p:nvPicPr>
-          <p:cNvPr id="7" name="Kép 6"/>
-          <p:cNvPicPr>
-            <a:picLocks noChangeAspect="1"/>
-          </p:cNvPicPr>
-          <p:nvPr/>
-        </p:nvPicPr>
-        <p:blipFill>
-          <a:blip r:embed="rId2" cstate="print">
-            <a:extLst>
-              <a:ext uri="{28A0092B-C50C-407E-A947-70E740481C1C}">
-                <a14:useLocalDpi xmlns:a14="http://schemas.microsoft.com/office/drawing/2010/main" val="0"/>
-              </a:ext>
-            </a:extLst>
-          </a:blip>
-          <a:stretch>
-            <a:fillRect/>
-          </a:stretch>
-        </p:blipFill>
-        <p:spPr>
-          <a:xfrm>
-            <a:off x="5741718" y="1727857"/>
-            <a:ext cx="2369987" cy="2403167"/>
-          </a:xfrm>
-          <a:prstGeom prst="rect">
-            <a:avLst/>
-          </a:prstGeom>
-        </p:spPr>
-      </p:pic>
-    </p:spTree>
-    <p:extLst>
-      <p:ext uri="{BB962C8B-B14F-4D97-AF65-F5344CB8AC3E}">
-        <p14:creationId xmlns:p14="http://schemas.microsoft.com/office/powerpoint/2010/main" val="1331108145"/>
-      </p:ext>
-    </p:extLst>
-  </p:cSld>
-  <p:clrMapOvr>
-    <a:masterClrMapping/>
-  </p:clrMapOvr>
-  <p:timing>
-    <p:tnLst>
-      <p:par>
-        <p:cTn id="1" dur="indefinite" restart="never" nodeType="tmRoot"/>
-      </p:par>
-    </p:tnLst>
-  </p:timing>
-</p:sld>
-</file>
-
-<file path=ppt/slides/slide6.xml><?xml version="1.0" encoding="utf-8"?>
-<p:sld xmlns:a="http://schemas.openxmlformats.org/drawingml/2006/main" xmlns:r="http://schemas.openxmlformats.org/officeDocument/2006/relationships" xmlns:p="http://schemas.openxmlformats.org/presentationml/2006/main">
-  <p:cSld>
-    <p:spTree>
-      <p:nvGrpSpPr>
-        <p:cNvPr id="1" name=""/>
-        <p:cNvGrpSpPr/>
-        <p:nvPr/>
-      </p:nvGrpSpPr>
-      <p:grpSpPr>
-        <a:xfrm>
-          <a:off x="0" y="0"/>
-          <a:ext cx="0" cy="0"/>
-          <a:chOff x="0" y="0"/>
-          <a:chExt cx="0" cy="0"/>
-        </a:xfrm>
-      </p:grpSpPr>
-      <p:sp>
-        <p:nvSpPr>
-          <p:cNvPr id="3" name="Tartalom helye 2"/>
-          <p:cNvSpPr>
-            <a:spLocks noGrp="1"/>
-          </p:cNvSpPr>
-          <p:nvPr>
-            <p:ph idx="1"/>
-          </p:nvPr>
-        </p:nvSpPr>
-        <p:spPr>
-          <a:xfrm>
-            <a:off x="628650" y="1957886"/>
-            <a:ext cx="5778088" cy="1836281"/>
+            <a:off x="622713" y="1644733"/>
+            <a:ext cx="5778088" cy="2115894"/>
           </a:xfrm>
         </p:spPr>
         <p:txBody>
@@ -3851,6 +3685,32 @@
           </a:bodyPr>
           <a:lstStyle/>
           <a:p>
+            <a:pPr marL="0" indent="0">
+              <a:buNone/>
+            </a:pPr>
+            <a:endParaRPr lang="hu-HU" sz="1800" dirty="0" smtClean="0"/>
+          </a:p>
+          <a:p>
+            <a:r>
+              <a:rPr lang="hu-HU" sz="1800" dirty="0"/>
+              <a:t>Kipróbálhattam magam csapatmunka </a:t>
+            </a:r>
+            <a:r>
+              <a:rPr lang="hu-HU" sz="1800" dirty="0" smtClean="0"/>
+              <a:t>terén</a:t>
+            </a:r>
+          </a:p>
+          <a:p>
+            <a:r>
+              <a:rPr lang="hu-HU" sz="1800" dirty="0"/>
+              <a:t>Fejlődött az </a:t>
+            </a:r>
+            <a:r>
+              <a:rPr lang="hu-HU" sz="1800" dirty="0" smtClean="0"/>
+              <a:t>önismeretem</a:t>
+            </a:r>
+          </a:p>
+          <a:p>
             <a:r>
               <a:rPr lang="hu-HU" sz="1800" dirty="0" smtClean="0"/>
               <a:t>Megismerkedhettem új technológiákkal</a:t>
@@ -3868,19 +3728,6 @@
               <a:rPr lang="hu-HU" sz="1800" dirty="0" smtClean="0"/>
               <a:t>folyamatába</a:t>
             </a:r>
-          </a:p>
-          <a:p>
-            <a:r>
-              <a:rPr lang="hu-HU" sz="1800" dirty="0" smtClean="0"/>
-              <a:t>Kipróbálhattam magam csapatmunka terén</a:t>
-            </a:r>
-          </a:p>
-          <a:p>
-            <a:r>
-              <a:rPr lang="hu-HU" sz="1800" dirty="0" smtClean="0"/>
-              <a:t>Fejlődött az önismeretem</a:t>
-            </a:r>
-            <a:endParaRPr lang="hu-HU" sz="1800" dirty="0" smtClean="0"/>
           </a:p>
         </p:txBody>
       </p:sp>
@@ -3995,7 +3842,7 @@
 </p:sld>
 </file>
 
-<file path=ppt/slides/slide7.xml><?xml version="1.0" encoding="utf-8"?>
+<file path=ppt/slides/slide6.xml><?xml version="1.0" encoding="utf-8"?>
 <p:sld xmlns:a="http://schemas.openxmlformats.org/drawingml/2006/main" xmlns:r="http://schemas.openxmlformats.org/officeDocument/2006/relationships" xmlns:p="http://schemas.openxmlformats.org/presentationml/2006/main">
   <p:cSld>
     <p:bg>

--- a/presentations/band/Veress_Armin/prezentation_veress_armin.pptx
+++ b/presentations/band/Veress_Armin/prezentation_veress_armin.pptx
@@ -111,7 +111,7 @@
   </p:defaultTextStyle>
   <p:extLst>
     <p:ext uri="{EFAFB233-063F-42B5-8137-9DF3F51BA10A}">
-      <p15:sldGuideLst xmlns:p15="http://schemas.microsoft.com/office/powerpoint/2012/main" xmlns="">
+      <p15:sldGuideLst xmlns="" xmlns:p15="http://schemas.microsoft.com/office/powerpoint/2012/main">
         <p15:guide id="1" orient="horz" pos="1620">
           <p15:clr>
             <a:srgbClr val="A4A3A4"/>
@@ -259,7 +259,7 @@
           <a:p>
             <a:fld id="{C6E8B002-83F0-41C5-A7B7-2819A96BD9B2}" type="datetimeFigureOut">
               <a:rPr lang="hu-HU" smtClean="0"/>
-              <a:t>2016.10.05.</a:t>
+              <a:t>2016.10.10.</a:t>
             </a:fld>
             <a:endParaRPr lang="hu-HU"/>
           </a:p>
@@ -429,7 +429,7 @@
           <a:p>
             <a:fld id="{C6E8B002-83F0-41C5-A7B7-2819A96BD9B2}" type="datetimeFigureOut">
               <a:rPr lang="hu-HU" smtClean="0"/>
-              <a:t>2016.10.05.</a:t>
+              <a:t>2016.10.10.</a:t>
             </a:fld>
             <a:endParaRPr lang="hu-HU"/>
           </a:p>
@@ -609,7 +609,7 @@
           <a:p>
             <a:fld id="{C6E8B002-83F0-41C5-A7B7-2819A96BD9B2}" type="datetimeFigureOut">
               <a:rPr lang="hu-HU" smtClean="0"/>
-              <a:t>2016.10.05.</a:t>
+              <a:t>2016.10.10.</a:t>
             </a:fld>
             <a:endParaRPr lang="hu-HU"/>
           </a:p>
@@ -779,7 +779,7 @@
           <a:p>
             <a:fld id="{C6E8B002-83F0-41C5-A7B7-2819A96BD9B2}" type="datetimeFigureOut">
               <a:rPr lang="hu-HU" smtClean="0"/>
-              <a:t>2016.10.05.</a:t>
+              <a:t>2016.10.10.</a:t>
             </a:fld>
             <a:endParaRPr lang="hu-HU"/>
           </a:p>
@@ -1023,7 +1023,7 @@
           <a:p>
             <a:fld id="{C6E8B002-83F0-41C5-A7B7-2819A96BD9B2}" type="datetimeFigureOut">
               <a:rPr lang="hu-HU" smtClean="0"/>
-              <a:t>2016.10.05.</a:t>
+              <a:t>2016.10.10.</a:t>
             </a:fld>
             <a:endParaRPr lang="hu-HU"/>
           </a:p>
@@ -1255,7 +1255,7 @@
           <a:p>
             <a:fld id="{C6E8B002-83F0-41C5-A7B7-2819A96BD9B2}" type="datetimeFigureOut">
               <a:rPr lang="hu-HU" smtClean="0"/>
-              <a:t>2016.10.05.</a:t>
+              <a:t>2016.10.10.</a:t>
             </a:fld>
             <a:endParaRPr lang="hu-HU"/>
           </a:p>
@@ -1622,7 +1622,7 @@
           <a:p>
             <a:fld id="{C6E8B002-83F0-41C5-A7B7-2819A96BD9B2}" type="datetimeFigureOut">
               <a:rPr lang="hu-HU" smtClean="0"/>
-              <a:t>2016.10.05.</a:t>
+              <a:t>2016.10.10.</a:t>
             </a:fld>
             <a:endParaRPr lang="hu-HU"/>
           </a:p>
@@ -1740,7 +1740,7 @@
           <a:p>
             <a:fld id="{C6E8B002-83F0-41C5-A7B7-2819A96BD9B2}" type="datetimeFigureOut">
               <a:rPr lang="hu-HU" smtClean="0"/>
-              <a:t>2016.10.05.</a:t>
+              <a:t>2016.10.10.</a:t>
             </a:fld>
             <a:endParaRPr lang="hu-HU"/>
           </a:p>
@@ -1835,7 +1835,7 @@
           <a:p>
             <a:fld id="{C6E8B002-83F0-41C5-A7B7-2819A96BD9B2}" type="datetimeFigureOut">
               <a:rPr lang="hu-HU" smtClean="0"/>
-              <a:t>2016.10.05.</a:t>
+              <a:t>2016.10.10.</a:t>
             </a:fld>
             <a:endParaRPr lang="hu-HU"/>
           </a:p>
@@ -2112,7 +2112,7 @@
           <a:p>
             <a:fld id="{C6E8B002-83F0-41C5-A7B7-2819A96BD9B2}" type="datetimeFigureOut">
               <a:rPr lang="hu-HU" smtClean="0"/>
-              <a:t>2016.10.05.</a:t>
+              <a:t>2016.10.10.</a:t>
             </a:fld>
             <a:endParaRPr lang="hu-HU"/>
           </a:p>
@@ -2369,7 +2369,7 @@
           <a:p>
             <a:fld id="{C6E8B002-83F0-41C5-A7B7-2819A96BD9B2}" type="datetimeFigureOut">
               <a:rPr lang="hu-HU" smtClean="0"/>
-              <a:t>2016.10.05.</a:t>
+              <a:t>2016.10.10.</a:t>
             </a:fld>
             <a:endParaRPr lang="hu-HU"/>
           </a:p>
@@ -2589,7 +2589,7 @@
           <a:p>
             <a:fld id="{C6E8B002-83F0-41C5-A7B7-2819A96BD9B2}" type="datetimeFigureOut">
               <a:rPr lang="hu-HU" smtClean="0"/>
-              <a:t>2016.10.05.</a:t>
+              <a:t>2016.10.10.</a:t>
             </a:fld>
             <a:endParaRPr lang="hu-HU"/>
           </a:p>
@@ -3099,7 +3099,7 @@
         </p:nvSpPr>
         <p:spPr>
           <a:xfrm>
-            <a:off x="670954" y="2380134"/>
+            <a:off x="670952" y="3021402"/>
             <a:ext cx="3354779" cy="400110"/>
           </a:xfrm>
           <a:prstGeom prst="rect">
@@ -3115,10 +3115,14 @@
           <a:p>
             <a:pPr algn="ctr"/>
             <a:r>
-              <a:rPr lang="hu-HU" sz="2000" dirty="0" smtClean="0"/>
+              <a:rPr lang="hu-HU" sz="2000" dirty="0" smtClean="0">
+                <a:latin typeface="+mj-lt"/>
+              </a:rPr>
               <a:t>Gazdaságinformatikus Bsc</a:t>
             </a:r>
-            <a:endParaRPr lang="en-US" sz="2000" dirty="0"/>
+            <a:endParaRPr lang="en-US" sz="2000" dirty="0">
+              <a:latin typeface="+mj-lt"/>
+            </a:endParaRPr>
           </a:p>
         </p:txBody>
       </p:sp>
@@ -3130,8 +3134,8 @@
         </p:nvSpPr>
         <p:spPr>
           <a:xfrm>
-            <a:off x="670957" y="1782940"/>
-            <a:ext cx="3354779" cy="400110"/>
+            <a:off x="670957" y="2161667"/>
+            <a:ext cx="3354779" cy="461665"/>
           </a:xfrm>
           <a:prstGeom prst="rect">
             <a:avLst/>
@@ -3146,72 +3150,14 @@
           <a:p>
             <a:pPr algn="ctr"/>
             <a:r>
-              <a:rPr lang="hu-HU" sz="2000" b="1" dirty="0" smtClean="0"/>
+              <a:rPr lang="hu-HU" sz="2400" dirty="0" smtClean="0">
+                <a:latin typeface="+mj-lt"/>
+              </a:rPr>
               <a:t>Veress Ármin</a:t>
             </a:r>
-            <a:endParaRPr lang="en-US" sz="2000" b="1" dirty="0"/>
-          </a:p>
-        </p:txBody>
-      </p:sp>
-      <p:sp>
-        <p:nvSpPr>
-          <p:cNvPr id="8" name="Szövegdoboz 7"/>
-          <p:cNvSpPr txBox="1"/>
-          <p:nvPr/>
-        </p:nvSpPr>
-        <p:spPr>
-          <a:xfrm>
-            <a:off x="670957" y="3030262"/>
-            <a:ext cx="3354779" cy="400110"/>
-          </a:xfrm>
-          <a:prstGeom prst="rect">
-            <a:avLst/>
-          </a:prstGeom>
-          <a:noFill/>
-        </p:spPr>
-        <p:txBody>
-          <a:bodyPr wrap="square" rtlCol="0">
-            <a:spAutoFit/>
-          </a:bodyPr>
-          <a:lstStyle/>
-          <a:p>
-            <a:pPr algn="ctr"/>
-            <a:r>
-              <a:rPr lang="hu-HU" sz="2000" dirty="0" smtClean="0"/>
-              <a:t>veress.armin@gmail.com</a:t>
-            </a:r>
-            <a:endParaRPr lang="en-US" sz="2000" dirty="0"/>
-          </a:p>
-        </p:txBody>
-      </p:sp>
-      <p:sp>
-        <p:nvSpPr>
-          <p:cNvPr id="9" name="Szövegdoboz 8"/>
-          <p:cNvSpPr txBox="1"/>
-          <p:nvPr/>
-        </p:nvSpPr>
-        <p:spPr>
-          <a:xfrm>
-            <a:off x="670956" y="3646294"/>
-            <a:ext cx="3354778" cy="400110"/>
-          </a:xfrm>
-          <a:prstGeom prst="rect">
-            <a:avLst/>
-          </a:prstGeom>
-          <a:noFill/>
-        </p:spPr>
-        <p:txBody>
-          <a:bodyPr wrap="square" rtlCol="0">
-            <a:spAutoFit/>
-          </a:bodyPr>
-          <a:lstStyle/>
-          <a:p>
-            <a:pPr algn="ctr"/>
-            <a:r>
-              <a:rPr lang="hu-HU" sz="2000" dirty="0" smtClean="0"/>
-              <a:t>+3606308437991</a:t>
-            </a:r>
-            <a:endParaRPr lang="en-US" sz="2000" dirty="0"/>
+            <a:endParaRPr lang="en-US" sz="2400" dirty="0">
+              <a:latin typeface="+mj-lt"/>
+            </a:endParaRPr>
           </a:p>
         </p:txBody>
       </p:sp>
@@ -3337,10 +3283,10 @@
           <a:p>
             <a:pPr algn="ctr"/>
             <a:r>
-              <a:rPr lang="hu-HU" sz="2800" b="1" dirty="0" smtClean="0"/>
+              <a:rPr lang="hu-HU" sz="2400" dirty="0" smtClean="0"/>
               <a:t>Feladataim</a:t>
             </a:r>
-            <a:endParaRPr lang="en-US" sz="2800" b="1" dirty="0"/>
+            <a:endParaRPr lang="en-US" sz="2400" dirty="0"/>
           </a:p>
         </p:txBody>
       </p:sp>
@@ -3367,26 +3313,30 @@
           <a:lstStyle/>
           <a:p>
             <a:r>
-              <a:rPr lang="hu-HU" sz="2000" dirty="0" smtClean="0"/>
+              <a:rPr lang="hu-HU" sz="2000" dirty="0" smtClean="0">
+                <a:latin typeface="+mj-lt"/>
+              </a:rPr>
               <a:t>Adatbázisséma megtervezése</a:t>
             </a:r>
           </a:p>
           <a:p>
             <a:r>
-              <a:rPr lang="hu-HU" sz="2000" dirty="0" smtClean="0"/>
+              <a:rPr lang="hu-HU" sz="2000" dirty="0" smtClean="0">
+                <a:latin typeface="+mj-lt"/>
+              </a:rPr>
               <a:t>Demók feltöltése és megjelenítése</a:t>
             </a:r>
           </a:p>
           <a:p>
             <a:r>
-              <a:rPr lang="hu-HU" sz="2000" dirty="0" smtClean="0"/>
-              <a:t>Események </a:t>
-            </a:r>
-            <a:r>
-              <a:rPr lang="hu-HU" sz="2000" dirty="0" smtClean="0"/>
-              <a:t>létrehozása és kezelése</a:t>
-            </a:r>
-            <a:endParaRPr lang="en-US" sz="2000" dirty="0"/>
+              <a:rPr lang="hu-HU" sz="2000" dirty="0" smtClean="0">
+                <a:latin typeface="+mj-lt"/>
+              </a:rPr>
+              <a:t>Események létrehozása és kezelése</a:t>
+            </a:r>
+            <a:endParaRPr lang="en-US" sz="2000" dirty="0">
+              <a:latin typeface="+mj-lt"/>
+            </a:endParaRPr>
           </a:p>
         </p:txBody>
       </p:sp>
@@ -3501,7 +3451,7 @@
         <p:spPr>
           <a:xfrm>
             <a:off x="634587" y="1852548"/>
-            <a:ext cx="4875563" cy="1799114"/>
+            <a:ext cx="4875563" cy="1460668"/>
           </a:xfrm>
         </p:spPr>
         <p:txBody>
@@ -3511,21 +3461,25 @@
           <a:lstStyle/>
           <a:p>
             <a:r>
-              <a:rPr lang="hu-HU" sz="2000" dirty="0" smtClean="0"/>
+              <a:rPr lang="hu-HU" sz="2000" dirty="0" smtClean="0">
+                <a:latin typeface="+mj-lt"/>
+              </a:rPr>
               <a:t>Demók megjelenítése</a:t>
             </a:r>
-            <a:endParaRPr lang="hu-HU" sz="2000" dirty="0" smtClean="0"/>
-          </a:p>
-          <a:p>
-            <a:r>
-              <a:rPr lang="hu-HU" sz="2000" dirty="0" smtClean="0"/>
+          </a:p>
+          <a:p>
+            <a:r>
+              <a:rPr lang="hu-HU" sz="2000" dirty="0" smtClean="0">
+                <a:latin typeface="+mj-lt"/>
+              </a:rPr>
               <a:t>Események szerkesztése</a:t>
             </a:r>
-            <a:endParaRPr lang="hu-HU" sz="2000" dirty="0" smtClean="0"/>
-          </a:p>
-          <a:p>
-            <a:r>
-              <a:rPr lang="hu-HU" sz="2000" dirty="0" smtClean="0"/>
+          </a:p>
+          <a:p>
+            <a:r>
+              <a:rPr lang="hu-HU" sz="2000" dirty="0" smtClean="0">
+                <a:latin typeface="+mj-lt"/>
+              </a:rPr>
               <a:t>Határidők betartása</a:t>
             </a:r>
           </a:p>
@@ -3558,10 +3512,10 @@
           <a:p>
             <a:pPr algn="ctr"/>
             <a:r>
-              <a:rPr lang="hu-HU" sz="2800" b="1" dirty="0" smtClean="0"/>
+              <a:rPr lang="hu-HU" sz="2400" dirty="0" smtClean="0"/>
               <a:t>Kihívások</a:t>
             </a:r>
-            <a:endParaRPr lang="en-US" sz="2800" b="1" dirty="0"/>
+            <a:endParaRPr lang="en-US" sz="2400" dirty="0"/>
           </a:p>
         </p:txBody>
       </p:sp>
@@ -3676,7 +3630,7 @@
         <p:spPr>
           <a:xfrm>
             <a:off x="622713" y="1644733"/>
-            <a:ext cx="5778088" cy="2115894"/>
+            <a:ext cx="5778088" cy="2386940"/>
           </a:xfrm>
         </p:spPr>
         <p:txBody>
@@ -3692,40 +3646,62 @@
           </a:p>
           <a:p>
             <a:r>
-              <a:rPr lang="hu-HU" sz="1800" dirty="0"/>
+              <a:rPr lang="hu-HU" sz="2000" dirty="0">
+                <a:latin typeface="+mj-lt"/>
+              </a:rPr>
               <a:t>Kipróbálhattam magam csapatmunka </a:t>
             </a:r>
             <a:r>
-              <a:rPr lang="hu-HU" sz="1800" dirty="0" smtClean="0"/>
+              <a:rPr lang="hu-HU" sz="2000" dirty="0" smtClean="0">
+                <a:latin typeface="+mj-lt"/>
+              </a:rPr>
               <a:t>terén</a:t>
             </a:r>
           </a:p>
           <a:p>
             <a:r>
-              <a:rPr lang="hu-HU" sz="1800" dirty="0"/>
+              <a:rPr lang="hu-HU" sz="2000" dirty="0">
+                <a:latin typeface="+mj-lt"/>
+              </a:rPr>
               <a:t>Fejlődött az </a:t>
             </a:r>
             <a:r>
-              <a:rPr lang="hu-HU" sz="1800" dirty="0" smtClean="0"/>
+              <a:rPr lang="hu-HU" sz="2000" dirty="0" smtClean="0">
+                <a:latin typeface="+mj-lt"/>
+              </a:rPr>
               <a:t>önismeretem</a:t>
             </a:r>
           </a:p>
           <a:p>
             <a:r>
-              <a:rPr lang="hu-HU" sz="1800" dirty="0" smtClean="0"/>
-              <a:t>Megismerkedhettem új technológiákkal</a:t>
-            </a:r>
-          </a:p>
-          <a:p>
-            <a:r>
-              <a:rPr lang="hu-HU" sz="1800" dirty="0" smtClean="0"/>
+              <a:rPr lang="hu-HU" sz="2000" dirty="0" smtClean="0">
+                <a:latin typeface="+mj-lt"/>
+              </a:rPr>
+              <a:t>Megismerkedhettem </a:t>
+            </a:r>
+            <a:r>
+              <a:rPr lang="hu-HU" sz="2000" dirty="0" smtClean="0">
+                <a:latin typeface="+mj-lt"/>
+              </a:rPr>
+              <a:t>új technológiákkal</a:t>
+            </a:r>
+          </a:p>
+          <a:p>
+            <a:r>
+              <a:rPr lang="hu-HU" sz="2000" dirty="0" smtClean="0">
+                <a:latin typeface="+mj-lt"/>
+              </a:rPr>
               <a:t>Beleláthattam a vállalati szoftverfejlesztés </a:t>
             </a:r>
             <a:br>
-              <a:rPr lang="hu-HU" sz="1800" dirty="0" smtClean="0"/>
+              <a:rPr lang="hu-HU" sz="2000" dirty="0" smtClean="0">
+                <a:latin typeface="+mj-lt"/>
+              </a:rPr>
             </a:br>
             <a:r>
-              <a:rPr lang="hu-HU" sz="1800" dirty="0" smtClean="0"/>
+              <a:rPr lang="hu-HU" sz="2000" dirty="0" smtClean="0">
+                <a:latin typeface="+mj-lt"/>
+              </a:rPr>
               <a:t>folyamatába</a:t>
             </a:r>
           </a:p>
@@ -3754,10 +3730,10 @@
           <a:lstStyle/>
           <a:p>
             <a:r>
-              <a:rPr lang="hu-HU" sz="2800" b="1" dirty="0" smtClean="0"/>
+              <a:rPr lang="hu-HU" sz="2400" dirty="0" smtClean="0"/>
               <a:t>Tapasztalatok a képzés során</a:t>
             </a:r>
-            <a:endParaRPr lang="en-US" sz="2800" b="1" dirty="0"/>
+            <a:endParaRPr lang="en-US" sz="2400" dirty="0"/>
           </a:p>
         </p:txBody>
       </p:sp>
@@ -3814,7 +3790,7 @@
         </p:blipFill>
         <p:spPr>
           <a:xfrm>
-            <a:off x="5331968" y="1740279"/>
+            <a:off x="5498223" y="1829888"/>
             <a:ext cx="3168784" cy="2237954"/>
           </a:xfrm>
           <a:prstGeom prst="rect">
@@ -4381,13 +4357,28 @@
   <a:extraClrSchemeLst/>
   <a:extLst>
     <a:ext uri="{05A4C25C-085E-4340-85A3-A5531E510DB2}">
-      <thm15:themeFamily xmlns:thm15="http://schemas.microsoft.com/office/thememl/2012/main" xmlns="" name="Office Theme" id="{62F939B6-93AF-4DB8-9C6B-D6C7DFDC589F}" vid="{4A3C46E8-61CC-4603-A589-7422A47A8E4A}"/>
+      <thm15:themeFamily xmlns="" xmlns:thm15="http://schemas.microsoft.com/office/thememl/2012/main" name="Office Theme" id="{62F939B6-93AF-4DB8-9C6B-D6C7DFDC589F}" vid="{4A3C46E8-61CC-4603-A589-7422A47A8E4A}"/>
     </a:ext>
   </a:extLst>
 </a:theme>
 </file>
 
 <file path=customXml/item1.xml><?xml version="1.0" encoding="utf-8"?>
+<p:properties xmlns:p="http://schemas.microsoft.com/office/2006/metadata/properties" xmlns:xsi="http://www.w3.org/2001/XMLSchema-instance" xmlns:pc="http://schemas.microsoft.com/office/infopath/2007/PartnerControls">
+  <documentManagement/>
+</p:properties>
+</file>
+
+<file path=customXml/item2.xml><?xml version="1.0" encoding="utf-8"?>
+<?mso-contentType ?>
+<FormTemplates xmlns="http://schemas.microsoft.com/sharepoint/v3/contenttype/forms">
+  <Display>DocumentLibraryForm</Display>
+  <Edit>DocumentLibraryForm</Edit>
+  <New>DocumentLibraryForm</New>
+</FormTemplates>
+</file>
+
+<file path=customXml/item3.xml><?xml version="1.0" encoding="utf-8"?>
 <ct:contentTypeSchema xmlns:ct="http://schemas.microsoft.com/office/2006/metadata/contentType" xmlns:ma="http://schemas.microsoft.com/office/2006/metadata/properties/metaAttributes" ct:_="" ma:_="" ma:contentTypeName="Dokumentum" ma:contentTypeID="0x010100AC862C676857C24E8FC2D32B30708833" ma:contentTypeVersion="2" ma:contentTypeDescription="Új dokumentum létrehozása." ma:contentTypeScope="" ma:versionID="0d2981163f66270cf1daba8c3c407cc5">
   <xsd:schema xmlns:xsd="http://www.w3.org/2001/XMLSchema" xmlns:xs="http://www.w3.org/2001/XMLSchema" xmlns:p="http://schemas.microsoft.com/office/2006/metadata/properties" xmlns:ns2="9a324a02-be43-499b-8089-7896e70993e7" targetNamespace="http://schemas.microsoft.com/office/2006/metadata/properties" ma:root="true" ma:fieldsID="4ce273e9ed9981a51826152e27a7d1ee" ns2:_="">
     <xsd:import namespace="9a324a02-be43-499b-8089-7896e70993e7"/>
@@ -4535,22 +4526,31 @@
 </ct:contentTypeSchema>
 </file>
 
-<file path=customXml/item2.xml><?xml version="1.0" encoding="utf-8"?>
-<?mso-contentType ?>
-<FormTemplates xmlns="http://schemas.microsoft.com/sharepoint/v3/contenttype/forms">
-  <Display>DocumentLibraryForm</Display>
-  <Edit>DocumentLibraryForm</Edit>
-  <New>DocumentLibraryForm</New>
-</FormTemplates>
+<file path=customXml/itemProps1.xml><?xml version="1.0" encoding="utf-8"?>
+<ds:datastoreItem xmlns:ds="http://schemas.openxmlformats.org/officeDocument/2006/customXml" ds:itemID="{8E1455B4-EFFE-4AEE-ADC2-FE51D16F6234}">
+  <ds:schemaRefs>
+    <ds:schemaRef ds:uri="http://purl.org/dc/terms/"/>
+    <ds:schemaRef ds:uri="http://schemas.openxmlformats.org/package/2006/metadata/core-properties"/>
+    <ds:schemaRef ds:uri="http://schemas.microsoft.com/office/2006/documentManagement/types"/>
+    <ds:schemaRef ds:uri="http://schemas.microsoft.com/office/infopath/2007/PartnerControls"/>
+    <ds:schemaRef ds:uri="9a324a02-be43-499b-8089-7896e70993e7"/>
+    <ds:schemaRef ds:uri="http://purl.org/dc/elements/1.1/"/>
+    <ds:schemaRef ds:uri="http://schemas.microsoft.com/office/2006/metadata/properties"/>
+    <ds:schemaRef ds:uri="http://www.w3.org/XML/1998/namespace"/>
+    <ds:schemaRef ds:uri="http://purl.org/dc/dcmitype/"/>
+  </ds:schemaRefs>
+</ds:datastoreItem>
 </file>
 
-<file path=customXml/item3.xml><?xml version="1.0" encoding="utf-8"?>
-<p:properties xmlns:p="http://schemas.microsoft.com/office/2006/metadata/properties" xmlns:xsi="http://www.w3.org/2001/XMLSchema-instance" xmlns:pc="http://schemas.microsoft.com/office/infopath/2007/PartnerControls">
-  <documentManagement/>
-</p:properties>
+<file path=customXml/itemProps2.xml><?xml version="1.0" encoding="utf-8"?>
+<ds:datastoreItem xmlns:ds="http://schemas.openxmlformats.org/officeDocument/2006/customXml" ds:itemID="{166AD069-051C-46FD-A0CD-BDE143FEA57D}">
+  <ds:schemaRefs>
+    <ds:schemaRef ds:uri="http://schemas.microsoft.com/sharepoint/v3/contenttype/forms"/>
+  </ds:schemaRefs>
+</ds:datastoreItem>
 </file>
 
-<file path=customXml/itemProps1.xml><?xml version="1.0" encoding="utf-8"?>
+<file path=customXml/itemProps3.xml><?xml version="1.0" encoding="utf-8"?>
 <ds:datastoreItem xmlns:ds="http://schemas.openxmlformats.org/officeDocument/2006/customXml" ds:itemID="{37D0467E-9D91-4319-91FD-90E168EBF15D}">
   <ds:schemaRefs>
     <ds:schemaRef ds:uri="http://schemas.microsoft.com/office/2006/metadata/contentType"/>
@@ -4566,28 +4566,4 @@
     <ds:schemaRef ds:uri="http://schemas.microsoft.com/internal/obd"/>
   </ds:schemaRefs>
 </ds:datastoreItem>
-</file>
-
-<file path=customXml/itemProps2.xml><?xml version="1.0" encoding="utf-8"?>
-<ds:datastoreItem xmlns:ds="http://schemas.openxmlformats.org/officeDocument/2006/customXml" ds:itemID="{166AD069-051C-46FD-A0CD-BDE143FEA57D}">
-  <ds:schemaRefs>
-    <ds:schemaRef ds:uri="http://schemas.microsoft.com/sharepoint/v3/contenttype/forms"/>
-  </ds:schemaRefs>
-</ds:datastoreItem>
-</file>
-
-<file path=customXml/itemProps3.xml><?xml version="1.0" encoding="utf-8"?>
-<ds:datastoreItem xmlns:ds="http://schemas.openxmlformats.org/officeDocument/2006/customXml" ds:itemID="{8E1455B4-EFFE-4AEE-ADC2-FE51D16F6234}">
-  <ds:schemaRefs>
-    <ds:schemaRef ds:uri="http://purl.org/dc/terms/"/>
-    <ds:schemaRef ds:uri="http://schemas.openxmlformats.org/package/2006/metadata/core-properties"/>
-    <ds:schemaRef ds:uri="http://schemas.microsoft.com/office/2006/documentManagement/types"/>
-    <ds:schemaRef ds:uri="http://schemas.microsoft.com/office/infopath/2007/PartnerControls"/>
-    <ds:schemaRef ds:uri="9a324a02-be43-499b-8089-7896e70993e7"/>
-    <ds:schemaRef ds:uri="http://purl.org/dc/elements/1.1/"/>
-    <ds:schemaRef ds:uri="http://schemas.microsoft.com/office/2006/metadata/properties"/>
-    <ds:schemaRef ds:uri="http://www.w3.org/XML/1998/namespace"/>
-    <ds:schemaRef ds:uri="http://purl.org/dc/dcmitype/"/>
-  </ds:schemaRefs>
-</ds:datastoreItem>
 </file>